--- a/figures/Path_Analysis_Conceptual_Model.pptx
+++ b/figures/Path_Analysis_Conceptual_Model.pptx
@@ -104,6 +104,11 @@
       </a:defRPr>
     </a:lvl9pPr>
   </p:defaultTextStyle>
+  <p:extLst>
+    <p:ext uri="{EFAFB233-063F-42B5-8137-9DF3F51BA10A}">
+      <p15:sldGuideLst xmlns:p15="http://schemas.microsoft.com/office/powerpoint/2012/main"/>
+    </p:ext>
+  </p:extLst>
 </p:presentation>
 </file>
 
@@ -254,7 +259,7 @@
           <a:p>
             <a:fld id="{2A599D53-C9CC-F143-8D7E-976663812FE8}" type="datetimeFigureOut">
               <a:rPr lang="en-US" smtClean="0"/>
-              <a:t>7/8/24</a:t>
+              <a:t>7/10/24</a:t>
             </a:fld>
             <a:endParaRPr lang="en-US"/>
           </a:p>
@@ -452,7 +457,7 @@
           <a:p>
             <a:fld id="{2A599D53-C9CC-F143-8D7E-976663812FE8}" type="datetimeFigureOut">
               <a:rPr lang="en-US" smtClean="0"/>
-              <a:t>7/8/24</a:t>
+              <a:t>7/10/24</a:t>
             </a:fld>
             <a:endParaRPr lang="en-US"/>
           </a:p>
@@ -660,7 +665,7 @@
           <a:p>
             <a:fld id="{2A599D53-C9CC-F143-8D7E-976663812FE8}" type="datetimeFigureOut">
               <a:rPr lang="en-US" smtClean="0"/>
-              <a:t>7/8/24</a:t>
+              <a:t>7/10/24</a:t>
             </a:fld>
             <a:endParaRPr lang="en-US"/>
           </a:p>
@@ -1880,7 +1885,7 @@
           <a:p>
             <a:fld id="{2A599D53-C9CC-F143-8D7E-976663812FE8}" type="datetimeFigureOut">
               <a:rPr lang="en-US" smtClean="0"/>
-              <a:t>7/8/24</a:t>
+              <a:t>7/10/24</a:t>
             </a:fld>
             <a:endParaRPr lang="en-US"/>
           </a:p>
@@ -2155,7 +2160,7 @@
           <a:p>
             <a:fld id="{2A599D53-C9CC-F143-8D7E-976663812FE8}" type="datetimeFigureOut">
               <a:rPr lang="en-US" smtClean="0"/>
-              <a:t>7/8/24</a:t>
+              <a:t>7/10/24</a:t>
             </a:fld>
             <a:endParaRPr lang="en-US"/>
           </a:p>
@@ -2420,7 +2425,7 @@
           <a:p>
             <a:fld id="{2A599D53-C9CC-F143-8D7E-976663812FE8}" type="datetimeFigureOut">
               <a:rPr lang="en-US" smtClean="0"/>
-              <a:t>7/8/24</a:t>
+              <a:t>7/10/24</a:t>
             </a:fld>
             <a:endParaRPr lang="en-US"/>
           </a:p>
@@ -2832,7 +2837,7 @@
           <a:p>
             <a:fld id="{2A599D53-C9CC-F143-8D7E-976663812FE8}" type="datetimeFigureOut">
               <a:rPr lang="en-US" smtClean="0"/>
-              <a:t>7/8/24</a:t>
+              <a:t>7/10/24</a:t>
             </a:fld>
             <a:endParaRPr lang="en-US"/>
           </a:p>
@@ -2973,7 +2978,7 @@
           <a:p>
             <a:fld id="{2A599D53-C9CC-F143-8D7E-976663812FE8}" type="datetimeFigureOut">
               <a:rPr lang="en-US" smtClean="0"/>
-              <a:t>7/8/24</a:t>
+              <a:t>7/10/24</a:t>
             </a:fld>
             <a:endParaRPr lang="en-US"/>
           </a:p>
@@ -3086,7 +3091,7 @@
           <a:p>
             <a:fld id="{2A599D53-C9CC-F143-8D7E-976663812FE8}" type="datetimeFigureOut">
               <a:rPr lang="en-US" smtClean="0"/>
-              <a:t>7/8/24</a:t>
+              <a:t>7/10/24</a:t>
             </a:fld>
             <a:endParaRPr lang="en-US"/>
           </a:p>
@@ -3397,7 +3402,7 @@
           <a:p>
             <a:fld id="{2A599D53-C9CC-F143-8D7E-976663812FE8}" type="datetimeFigureOut">
               <a:rPr lang="en-US" smtClean="0"/>
-              <a:t>7/8/24</a:t>
+              <a:t>7/10/24</a:t>
             </a:fld>
             <a:endParaRPr lang="en-US"/>
           </a:p>
@@ -3685,7 +3690,7 @@
           <a:p>
             <a:fld id="{2A599D53-C9CC-F143-8D7E-976663812FE8}" type="datetimeFigureOut">
               <a:rPr lang="en-US" smtClean="0"/>
-              <a:t>7/8/24</a:t>
+              <a:t>7/10/24</a:t>
             </a:fld>
             <a:endParaRPr lang="en-US"/>
           </a:p>
@@ -3926,7 +3931,7 @@
           <a:p>
             <a:fld id="{2A599D53-C9CC-F143-8D7E-976663812FE8}" type="datetimeFigureOut">
               <a:rPr lang="en-US" smtClean="0"/>
-              <a:t>7/8/24</a:t>
+              <a:t>7/10/24</a:t>
             </a:fld>
             <a:endParaRPr lang="en-US"/>
           </a:p>
@@ -4421,7 +4426,7 @@
             <a:pPr algn="ctr"/>
             <a:r>
               <a:rPr lang="en-US" dirty="0"/>
-              <a:t>Landcover</a:t>
+              <a:t>Vegetation</a:t>
             </a:r>
           </a:p>
         </p:txBody>
